--- a/images/tagawa.pptx
+++ b/images/tagawa.pptx
@@ -3329,7 +3329,7 @@
         </p:blipFill>
         <p:spPr>
           <a:xfrm>
-            <a:off x="120332" y="4729656"/>
+            <a:off x="120332" y="4305111"/>
             <a:ext cx="9004937" cy="5718251"/>
           </a:xfrm>
           <a:prstGeom prst="rect">
@@ -5330,7 +5330,7 @@
         </p:nvSpPr>
         <p:spPr>
           <a:xfrm>
-            <a:off x="5212357" y="5683142"/>
+            <a:off x="5331682" y="5297593"/>
             <a:ext cx="3292704" cy="1526879"/>
           </a:xfrm>
           <a:prstGeom prst="rect">
@@ -5372,7 +5372,7 @@
         </p:nvSpPr>
         <p:spPr>
           <a:xfrm rot="5400000">
-            <a:off x="2808130" y="3873308"/>
+            <a:off x="2797244" y="3786222"/>
             <a:ext cx="1251820" cy="886230"/>
           </a:xfrm>
           <a:prstGeom prst="rightArrow">
@@ -5380,8 +5380,8 @@
           </a:prstGeom>
           <a:solidFill>
             <a:schemeClr val="tx1">
-              <a:lumMod val="85000"/>
-              <a:lumOff val="15000"/>
+              <a:lumMod val="75000"/>
+              <a:lumOff val="25000"/>
             </a:schemeClr>
           </a:solidFill>
           <a:ln>
@@ -5426,8 +5426,8 @@
         </p:nvSpPr>
         <p:spPr>
           <a:xfrm>
-            <a:off x="4333605" y="3475351"/>
-            <a:ext cx="7332621" cy="1631216"/>
+            <a:off x="4061461" y="3682180"/>
+            <a:ext cx="7332621" cy="861774"/>
           </a:xfrm>
           <a:prstGeom prst="rect">
             <a:avLst/>
@@ -5458,46 +5458,7 @@
                 <a:latin typeface="HGPｺﾞｼｯｸE" panose="020B0900000000000000" pitchFamily="50" charset="-128"/>
                 <a:ea typeface="HGPｺﾞｼｯｸE" panose="020B0900000000000000" pitchFamily="50" charset="-128"/>
               </a:rPr>
-              <a:t>で</a:t>
-            </a:r>
-            <a:endParaRPr lang="en-US" altLang="ja-JP" sz="5000" dirty="0" smtClean="0">
-              <a:solidFill>
-                <a:schemeClr val="accent2"/>
-              </a:solidFill>
-              <a:latin typeface="HGPｺﾞｼｯｸE" panose="020B0900000000000000" pitchFamily="50" charset="-128"/>
-              <a:ea typeface="HGPｺﾞｼｯｸE" panose="020B0900000000000000" pitchFamily="50" charset="-128"/>
-            </a:endParaRPr>
-          </a:p>
-          <a:p>
-            <a:r>
-              <a:rPr lang="en-US" altLang="ja-JP" sz="5000" dirty="0">
-                <a:solidFill>
-                  <a:schemeClr val="accent2"/>
-                </a:solidFill>
-                <a:latin typeface="HGPｺﾞｼｯｸE" panose="020B0900000000000000" pitchFamily="50" charset="-128"/>
-                <a:ea typeface="HGPｺﾞｼｯｸE" panose="020B0900000000000000" pitchFamily="50" charset="-128"/>
-              </a:rPr>
-              <a:t> </a:t>
-            </a:r>
-            <a:r>
-              <a:rPr lang="en-US" altLang="ja-JP" sz="5000" dirty="0" smtClean="0">
-                <a:solidFill>
-                  <a:schemeClr val="accent2"/>
-                </a:solidFill>
-                <a:latin typeface="HGPｺﾞｼｯｸE" panose="020B0900000000000000" pitchFamily="50" charset="-128"/>
-                <a:ea typeface="HGPｺﾞｼｯｸE" panose="020B0900000000000000" pitchFamily="50" charset="-128"/>
-              </a:rPr>
-              <a:t>     </a:t>
-            </a:r>
-            <a:r>
-              <a:rPr lang="ja-JP" altLang="en-US" sz="5000" dirty="0" smtClean="0">
-                <a:solidFill>
-                  <a:schemeClr val="accent2"/>
-                </a:solidFill>
-                <a:latin typeface="HGPｺﾞｼｯｸE" panose="020B0900000000000000" pitchFamily="50" charset="-128"/>
-                <a:ea typeface="HGPｺﾞｼｯｸE" panose="020B0900000000000000" pitchFamily="50" charset="-128"/>
-              </a:rPr>
-              <a:t>情報</a:t>
+              <a:t>で情報</a:t>
             </a:r>
             <a:r>
               <a:rPr lang="ja-JP" altLang="en-US" sz="5000" dirty="0" smtClean="0">

--- a/images/tagawa.pptx
+++ b/images/tagawa.pptx
@@ -3329,7 +3329,7 @@
         </p:blipFill>
         <p:spPr>
           <a:xfrm>
-            <a:off x="120332" y="4305111"/>
+            <a:off x="120332" y="4185365"/>
             <a:ext cx="9004937" cy="5718251"/>
           </a:xfrm>
           <a:prstGeom prst="rect">
@@ -5426,7 +5426,7 @@
         </p:nvSpPr>
         <p:spPr>
           <a:xfrm>
-            <a:off x="4061461" y="3682180"/>
+            <a:off x="3909057" y="3562434"/>
             <a:ext cx="7332621" cy="861774"/>
           </a:xfrm>
           <a:prstGeom prst="rect">
@@ -5448,27 +5448,7 @@
                 <a:latin typeface="HGPｺﾞｼｯｸE" panose="020B0900000000000000" pitchFamily="50" charset="-128"/>
                 <a:ea typeface="HGPｺﾞｼｯｸE" panose="020B0900000000000000" pitchFamily="50" charset="-128"/>
               </a:rPr>
-              <a:t>各構造</a:t>
-            </a:r>
-            <a:r>
-              <a:rPr lang="ja-JP" altLang="en-US" sz="5000" dirty="0" smtClean="0">
-                <a:solidFill>
-                  <a:schemeClr val="accent2"/>
-                </a:solidFill>
-                <a:latin typeface="HGPｺﾞｼｯｸE" panose="020B0900000000000000" pitchFamily="50" charset="-128"/>
-                <a:ea typeface="HGPｺﾞｼｯｸE" panose="020B0900000000000000" pitchFamily="50" charset="-128"/>
-              </a:rPr>
-              <a:t>で情報</a:t>
-            </a:r>
-            <a:r>
-              <a:rPr lang="ja-JP" altLang="en-US" sz="5000" dirty="0" smtClean="0">
-                <a:solidFill>
-                  <a:schemeClr val="accent2"/>
-                </a:solidFill>
-                <a:latin typeface="HGPｺﾞｼｯｸE" panose="020B0900000000000000" pitchFamily="50" charset="-128"/>
-                <a:ea typeface="HGPｺﾞｼｯｸE" panose="020B0900000000000000" pitchFamily="50" charset="-128"/>
-              </a:rPr>
-              <a:t>交換</a:t>
+              <a:t>各構造で情報交換</a:t>
             </a:r>
             <a:endParaRPr lang="ja-JP" altLang="en-US" sz="5000" dirty="0">
               <a:solidFill>
